--- a/DOC/4, Spring FrameWork/Spring Doc by Sherlock/2. [Spring] RESTful API.pptx
+++ b/DOC/4, Spring FrameWork/Spring Doc by Sherlock/2. [Spring] RESTful API.pptx
@@ -236,7 +236,7 @@
           <a:p>
             <a:fld id="{57BF1C7C-30AB-4920-B892-D59D8900ACC9}" type="datetimeFigureOut">
               <a:rPr lang="ko-KR" altLang="en-US" smtClean="0"/>
-              <a:t>2022-03-25</a:t>
+              <a:t>2022-03-28</a:t>
             </a:fld>
             <a:endParaRPr lang="ko-KR" altLang="en-US"/>
           </a:p>

--- a/DOC/4, Spring FrameWork/Spring Doc by Sherlock/2. [Spring] RESTful API.pptx
+++ b/DOC/4, Spring FrameWork/Spring Doc by Sherlock/2. [Spring] RESTful API.pptx
@@ -236,7 +236,7 @@
           <a:p>
             <a:fld id="{57BF1C7C-30AB-4920-B892-D59D8900ACC9}" type="datetimeFigureOut">
               <a:rPr lang="ko-KR" altLang="en-US" smtClean="0"/>
-              <a:t>2022-03-28</a:t>
+              <a:t>2022-08-28</a:t>
             </a:fld>
             <a:endParaRPr lang="ko-KR" altLang="en-US"/>
           </a:p>
@@ -1481,7 +1481,7 @@
                 <a:effectLst/>
                 <a:latin typeface="-apple-system"/>
               </a:rPr>
-              <a:t> means carry data between consumer and provider using the HTTP protocol</a:t>
+              <a:t> means carrying data between consumer and provider using the HTTP protocol</a:t>
             </a:r>
             <a:endParaRPr lang="en-US" sz="1000">
               <a:latin typeface="Calibri" panose="020F0502020204030204" pitchFamily="34" charset="0"/>
@@ -2091,7 +2091,7 @@
                 <a:cs typeface="Calibri" panose="020F0502020204030204" pitchFamily="34" charset="0"/>
                 <a:sym typeface="Wingdings" panose="05000000000000000000" pitchFamily="2" charset="2"/>
               </a:rPr>
-              <a:t>: Lưu trữ lại thông tin vào bộ nhớ đệm trên thiết bị của client. Chỉ có những thông tin được server cho phép lưu lại tron cache thì nới được cache  Tăng hiệu suất cho hệ thống web.</a:t>
+              <a:t>: Lưu trữ lại thông tin vào bộ nhớ đệm trên thiết bị của client. Chỉ có những thông tin được server cho phép lưu lại trong cache thì nới được cache  Tăng hiệu suất cho hệ thống web.</a:t>
             </a:r>
           </a:p>
           <a:p>
